--- a/Class20-APIs/Class20_apis.pptx
+++ b/Class20-APIs/Class20_apis.pptx
@@ -10,11 +10,12 @@
     <p:sldId id="258" r:id="rId4"/>
     <p:sldId id="259" r:id="rId5"/>
     <p:sldId id="260" r:id="rId6"/>
-    <p:sldId id="261" r:id="rId7"/>
-    <p:sldId id="262" r:id="rId8"/>
-    <p:sldId id="264" r:id="rId9"/>
-    <p:sldId id="263" r:id="rId10"/>
-    <p:sldId id="265" r:id="rId11"/>
+    <p:sldId id="266" r:id="rId7"/>
+    <p:sldId id="261" r:id="rId8"/>
+    <p:sldId id="262" r:id="rId9"/>
+    <p:sldId id="264" r:id="rId10"/>
+    <p:sldId id="263" r:id="rId11"/>
+    <p:sldId id="265" r:id="rId12"/>
   </p:sldIdLst>
   <p:sldSz cx="9144000" cy="6858000" type="screen4x3"/>
   <p:notesSz cx="6858000" cy="9144000"/>
@@ -6069,6 +6070,96 @@
           <a:p>
             <a:r>
               <a:rPr lang="en-US" dirty="0" smtClean="0"/>
+              <a:t>Why</a:t>
+            </a:r>
+            <a:endParaRPr lang="en-US" dirty="0"/>
+          </a:p>
+        </p:txBody>
+      </p:sp>
+      <p:sp>
+        <p:nvSpPr>
+          <p:cNvPr id="3" name="Content Placeholder 2"/>
+          <p:cNvSpPr>
+            <a:spLocks noGrp="1"/>
+          </p:cNvSpPr>
+          <p:nvPr>
+            <p:ph idx="1"/>
+          </p:nvPr>
+        </p:nvSpPr>
+        <p:spPr/>
+        <p:txBody>
+          <a:bodyPr/>
+          <a:lstStyle/>
+          <a:p>
+            <a:r>
+              <a:rPr lang="en-US" dirty="0" smtClean="0"/>
+              <a:t>Internal Development</a:t>
+            </a:r>
+          </a:p>
+          <a:p>
+            <a:r>
+              <a:rPr lang="en-US" dirty="0" smtClean="0"/>
+              <a:t>Community Development</a:t>
+            </a:r>
+          </a:p>
+          <a:p>
+            <a:r>
+              <a:rPr lang="en-US" dirty="0" smtClean="0"/>
+              <a:t>Innovation</a:t>
+            </a:r>
+          </a:p>
+          <a:p>
+            <a:endParaRPr lang="en-US" dirty="0"/>
+          </a:p>
+        </p:txBody>
+      </p:sp>
+    </p:spTree>
+    <p:extLst>
+      <p:ext uri="{BB962C8B-B14F-4D97-AF65-F5344CB8AC3E}">
+        <p14:creationId xmlns:p14="http://schemas.microsoft.com/office/powerpoint/2010/main" val="354330939"/>
+      </p:ext>
+    </p:extLst>
+  </p:cSld>
+  <p:clrMapOvr>
+    <a:masterClrMapping/>
+  </p:clrMapOvr>
+</p:sld>
+</file>
+
+<file path=ppt/slides/slide11.xml><?xml version="1.0" encoding="utf-8"?>
+<p:sld xmlns:a="http://schemas.openxmlformats.org/drawingml/2006/main" xmlns:r="http://schemas.openxmlformats.org/officeDocument/2006/relationships" xmlns:p="http://schemas.openxmlformats.org/presentationml/2006/main">
+  <p:cSld>
+    <p:spTree>
+      <p:nvGrpSpPr>
+        <p:cNvPr id="1" name=""/>
+        <p:cNvGrpSpPr/>
+        <p:nvPr/>
+      </p:nvGrpSpPr>
+      <p:grpSpPr>
+        <a:xfrm>
+          <a:off x="0" y="0"/>
+          <a:ext cx="0" cy="0"/>
+          <a:chOff x="0" y="0"/>
+          <a:chExt cx="0" cy="0"/>
+        </a:xfrm>
+      </p:grpSpPr>
+      <p:sp>
+        <p:nvSpPr>
+          <p:cNvPr id="2" name="Title 1"/>
+          <p:cNvSpPr>
+            <a:spLocks noGrp="1"/>
+          </p:cNvSpPr>
+          <p:nvPr>
+            <p:ph type="title"/>
+          </p:nvPr>
+        </p:nvSpPr>
+        <p:spPr/>
+        <p:txBody>
+          <a:bodyPr/>
+          <a:lstStyle/>
+          <a:p>
+            <a:r>
+              <a:rPr lang="en-US" dirty="0" smtClean="0"/>
               <a:t>Let’s Get Started!</a:t>
             </a:r>
             <a:endParaRPr lang="en-US" dirty="0"/>
@@ -6118,15 +6209,15 @@
               <a:t>http://news-explorer.mybluemix.net</a:t>
             </a:r>
             <a:r>
-              <a:rPr lang="en-US" smtClean="0">
+              <a:rPr lang="en-US" dirty="0" smtClean="0">
                 <a:hlinkClick r:id="rId3"/>
               </a:rPr>
               <a:t>/</a:t>
             </a:r>
-            <a:endParaRPr lang="en-US" smtClean="0"/>
-          </a:p>
-          <a:p>
-            <a:endParaRPr lang="en-US"/>
+            <a:endParaRPr lang="en-US" dirty="0" smtClean="0"/>
+          </a:p>
+          <a:p>
+            <a:endParaRPr lang="en-US" dirty="0"/>
           </a:p>
         </p:txBody>
       </p:sp>
@@ -6494,7 +6585,7 @@
           <a:p>
             <a:r>
               <a:rPr lang="en-US" dirty="0" smtClean="0"/>
-              <a:t>Historical Examples</a:t>
+              <a:t>Amazon Game Changer	</a:t>
             </a:r>
             <a:endParaRPr lang="en-US" dirty="0"/>
           </a:p>
@@ -6510,60 +6601,118 @@
             <p:ph idx="1"/>
           </p:nvPr>
         </p:nvSpPr>
-        <p:spPr/>
-        <p:txBody>
-          <a:bodyPr/>
-          <a:lstStyle/>
-          <a:p>
+        <p:spPr>
+          <a:xfrm>
+            <a:off x="609598" y="1550504"/>
+            <a:ext cx="6732105" cy="5307496"/>
+          </a:xfrm>
+        </p:spPr>
+        <p:txBody>
+          <a:bodyPr>
+            <a:normAutofit lnSpcReduction="10000"/>
+          </a:bodyPr>
+          <a:lstStyle/>
+          <a:p>
+            <a:pPr marL="0" indent="0" fontAlgn="base">
+              <a:buNone/>
+            </a:pPr>
+            <a:r>
+              <a:rPr lang="en-US" dirty="0"/>
+              <a:t>Jeff Bezos issued a </a:t>
+            </a:r>
             <a:r>
               <a:rPr lang="en-US" dirty="0" smtClean="0"/>
-              <a:t>Amazon Web Services 2006</a:t>
-            </a:r>
-          </a:p>
-          <a:p>
+              <a:t>mandate in 2002 </a:t>
+            </a:r>
+          </a:p>
+          <a:p>
+            <a:pPr marL="400050" lvl="1" indent="0" fontAlgn="base">
+              <a:buNone/>
+            </a:pPr>
             <a:r>
               <a:rPr lang="en-US" dirty="0" smtClean="0"/>
-              <a:t>Goggle Search Interface 2007</a:t>
-            </a:r>
-          </a:p>
-          <a:p>
-            <a:r>
-              <a:rPr lang="en-US" dirty="0" smtClean="0"/>
-              <a:t>Google Maps 2008</a:t>
-            </a:r>
-          </a:p>
-          <a:p>
-            <a:r>
-              <a:rPr lang="en-US" dirty="0" err="1" smtClean="0"/>
-              <a:t>NYTimes</a:t>
-            </a:r>
-            <a:r>
-              <a:rPr lang="en-US" dirty="0" smtClean="0"/>
-              <a:t> Campaign Finance API 2008</a:t>
-            </a:r>
-          </a:p>
-          <a:p>
-            <a:r>
-              <a:rPr lang="en-US" dirty="0" err="1" smtClean="0"/>
-              <a:t>NYTimes</a:t>
-            </a:r>
-            <a:r>
-              <a:rPr lang="en-US" dirty="0" smtClean="0"/>
-              <a:t> All Content 2009</a:t>
-            </a:r>
-          </a:p>
-          <a:p>
-            <a:r>
-              <a:rPr lang="en-US" dirty="0" smtClean="0"/>
-              <a:t>NPR, BBC, Guardian 2009-2010 </a:t>
-            </a:r>
+              <a:t>All </a:t>
+            </a:r>
+            <a:r>
+              <a:rPr lang="en-US" dirty="0"/>
+              <a:t>teams will henceforth expose their data and functionality through service interfaces.</a:t>
+            </a:r>
+          </a:p>
+          <a:p>
+            <a:pPr marL="400050" lvl="1" indent="0" fontAlgn="base">
+              <a:buNone/>
+            </a:pPr>
+            <a:r>
+              <a:rPr lang="en-US" dirty="0"/>
+              <a:t>Teams must communicate with each other through these interfaces.</a:t>
+            </a:r>
+          </a:p>
+          <a:p>
+            <a:pPr marL="400050" lvl="1" indent="0" fontAlgn="base">
+              <a:buNone/>
+            </a:pPr>
+            <a:r>
+              <a:rPr lang="en-US" dirty="0"/>
+              <a:t>There will be no other form of inter-process communication allowed: no direct linking, no direct reads of another team’s data store, no shared-memory model, no back-doors whatsoever. The only communication allowed is via service interface calls over the network.</a:t>
+            </a:r>
+          </a:p>
+          <a:p>
+            <a:pPr marL="400050" lvl="1" indent="0" fontAlgn="base">
+              <a:buNone/>
+            </a:pPr>
+            <a:r>
+              <a:rPr lang="en-US" dirty="0"/>
+              <a:t>It doesn’t matter what technology they use.</a:t>
+            </a:r>
+          </a:p>
+          <a:p>
+            <a:pPr marL="400050" lvl="1" indent="0" fontAlgn="base">
+              <a:buNone/>
+            </a:pPr>
+            <a:r>
+              <a:rPr lang="en-US" dirty="0"/>
+              <a:t>All service interfaces, without exception, must be designed from the ground up to be </a:t>
+            </a:r>
+            <a:r>
+              <a:rPr lang="en-US" dirty="0" err="1"/>
+              <a:t>externalizable</a:t>
+            </a:r>
+            <a:r>
+              <a:rPr lang="en-US" dirty="0"/>
+              <a:t>. That is to say, the team must plan and design to be able to expose the interface to developers in the outside world. No exceptions.</a:t>
+            </a:r>
+          </a:p>
+          <a:p>
+            <a:pPr marL="0" indent="0" fontAlgn="base">
+              <a:buNone/>
+            </a:pPr>
+            <a:r>
+              <a:rPr lang="en-US" dirty="0"/>
+              <a:t>The mandate closed with:</a:t>
+            </a:r>
+          </a:p>
+          <a:p>
+            <a:pPr marL="0" indent="0" fontAlgn="base">
+              <a:buNone/>
+            </a:pPr>
+            <a:r>
+              <a:rPr lang="en-US" b="1" i="1" dirty="0"/>
+              <a:t>Anyone who doesn’t do this will be fired.  Thank you; have a nice day!</a:t>
+            </a:r>
+            <a:endParaRPr lang="en-US" dirty="0"/>
+          </a:p>
+          <a:p>
+            <a:pPr marL="0" indent="0">
+              <a:buNone/>
+            </a:pPr>
+            <a:endParaRPr lang="en-US" dirty="0"/>
           </a:p>
         </p:txBody>
       </p:sp>
     </p:spTree>
     <p:extLst>
       <p:ext uri="{BB962C8B-B14F-4D97-AF65-F5344CB8AC3E}">
-        <p14:creationId xmlns:p14="http://schemas.microsoft.com/office/powerpoint/2010/main" val="1846680137"/>
+        <p14:creationId xmlns:p14="http://schemas.microsoft.com/office/powerpoint/2010/main" val="1788719224"/>
       </p:ext>
     </p:extLst>
   </p:cSld>
@@ -6607,6 +6756,124 @@
           <a:p>
             <a:r>
               <a:rPr lang="en-US" dirty="0" smtClean="0"/>
+              <a:t>Historical Examples</a:t>
+            </a:r>
+            <a:endParaRPr lang="en-US" dirty="0"/>
+          </a:p>
+        </p:txBody>
+      </p:sp>
+      <p:sp>
+        <p:nvSpPr>
+          <p:cNvPr id="3" name="Content Placeholder 2"/>
+          <p:cNvSpPr>
+            <a:spLocks noGrp="1"/>
+          </p:cNvSpPr>
+          <p:nvPr>
+            <p:ph idx="1"/>
+          </p:nvPr>
+        </p:nvSpPr>
+        <p:spPr/>
+        <p:txBody>
+          <a:bodyPr/>
+          <a:lstStyle/>
+          <a:p>
+            <a:r>
+              <a:rPr lang="en-US" dirty="0" smtClean="0"/>
+              <a:t>Amazon Web Services </a:t>
+            </a:r>
+            <a:r>
+              <a:rPr lang="en-US" dirty="0" smtClean="0"/>
+              <a:t>2002 / 2004</a:t>
+            </a:r>
+            <a:endParaRPr lang="en-US" dirty="0" smtClean="0"/>
+          </a:p>
+          <a:p>
+            <a:r>
+              <a:rPr lang="en-US" dirty="0" smtClean="0"/>
+              <a:t>Goggle Search Interface 2007</a:t>
+            </a:r>
+          </a:p>
+          <a:p>
+            <a:r>
+              <a:rPr lang="en-US" dirty="0" smtClean="0"/>
+              <a:t>Google Maps 2008</a:t>
+            </a:r>
+          </a:p>
+          <a:p>
+            <a:r>
+              <a:rPr lang="en-US" dirty="0" err="1" smtClean="0"/>
+              <a:t>NYTimes</a:t>
+            </a:r>
+            <a:r>
+              <a:rPr lang="en-US" dirty="0" smtClean="0"/>
+              <a:t> Campaign Finance API 2008</a:t>
+            </a:r>
+          </a:p>
+          <a:p>
+            <a:r>
+              <a:rPr lang="en-US" dirty="0" err="1" smtClean="0"/>
+              <a:t>NYTimes</a:t>
+            </a:r>
+            <a:r>
+              <a:rPr lang="en-US" dirty="0" smtClean="0"/>
+              <a:t> All Content 2009</a:t>
+            </a:r>
+          </a:p>
+          <a:p>
+            <a:r>
+              <a:rPr lang="en-US" dirty="0" smtClean="0"/>
+              <a:t>NPR, BBC, Guardian 2009-2010 </a:t>
+            </a:r>
+          </a:p>
+        </p:txBody>
+      </p:sp>
+    </p:spTree>
+    <p:extLst>
+      <p:ext uri="{BB962C8B-B14F-4D97-AF65-F5344CB8AC3E}">
+        <p14:creationId xmlns:p14="http://schemas.microsoft.com/office/powerpoint/2010/main" val="1846680137"/>
+      </p:ext>
+    </p:extLst>
+  </p:cSld>
+  <p:clrMapOvr>
+    <a:masterClrMapping/>
+  </p:clrMapOvr>
+</p:sld>
+</file>
+
+<file path=ppt/slides/slide8.xml><?xml version="1.0" encoding="utf-8"?>
+<p:sld xmlns:a="http://schemas.openxmlformats.org/drawingml/2006/main" xmlns:r="http://schemas.openxmlformats.org/officeDocument/2006/relationships" xmlns:p="http://schemas.openxmlformats.org/presentationml/2006/main">
+  <p:cSld>
+    <p:spTree>
+      <p:nvGrpSpPr>
+        <p:cNvPr id="1" name=""/>
+        <p:cNvGrpSpPr/>
+        <p:nvPr/>
+      </p:nvGrpSpPr>
+      <p:grpSpPr>
+        <a:xfrm>
+          <a:off x="0" y="0"/>
+          <a:ext cx="0" cy="0"/>
+          <a:chOff x="0" y="0"/>
+          <a:chExt cx="0" cy="0"/>
+        </a:xfrm>
+      </p:grpSpPr>
+      <p:sp>
+        <p:nvSpPr>
+          <p:cNvPr id="2" name="Title 1"/>
+          <p:cNvSpPr>
+            <a:spLocks noGrp="1"/>
+          </p:cNvSpPr>
+          <p:nvPr>
+            <p:ph type="title"/>
+          </p:nvPr>
+        </p:nvSpPr>
+        <p:spPr/>
+        <p:txBody>
+          <a:bodyPr/>
+          <a:lstStyle/>
+          <a:p>
+            <a:r>
+              <a:rPr lang="en-US" dirty="0" smtClean="0"/>
               <a:t>And there is more</a:t>
             </a:r>
             <a:endParaRPr lang="en-US" dirty="0"/>
@@ -6681,7 +6948,7 @@
 </p:sld>
 </file>
 
-<file path=ppt/slides/slide8.xml><?xml version="1.0" encoding="utf-8"?>
+<file path=ppt/slides/slide9.xml><?xml version="1.0" encoding="utf-8"?>
 <p:sld xmlns:a="http://schemas.openxmlformats.org/drawingml/2006/main" xmlns:r="http://schemas.openxmlformats.org/officeDocument/2006/relationships" xmlns:p="http://schemas.openxmlformats.org/presentationml/2006/main">
   <p:cSld>
     <p:spTree>
@@ -6774,96 +7041,6 @@
     <p:extLst>
       <p:ext uri="{BB962C8B-B14F-4D97-AF65-F5344CB8AC3E}">
         <p14:creationId xmlns:p14="http://schemas.microsoft.com/office/powerpoint/2010/main" val="1294080978"/>
-      </p:ext>
-    </p:extLst>
-  </p:cSld>
-  <p:clrMapOvr>
-    <a:masterClrMapping/>
-  </p:clrMapOvr>
-</p:sld>
-</file>
-
-<file path=ppt/slides/slide9.xml><?xml version="1.0" encoding="utf-8"?>
-<p:sld xmlns:a="http://schemas.openxmlformats.org/drawingml/2006/main" xmlns:r="http://schemas.openxmlformats.org/officeDocument/2006/relationships" xmlns:p="http://schemas.openxmlformats.org/presentationml/2006/main">
-  <p:cSld>
-    <p:spTree>
-      <p:nvGrpSpPr>
-        <p:cNvPr id="1" name=""/>
-        <p:cNvGrpSpPr/>
-        <p:nvPr/>
-      </p:nvGrpSpPr>
-      <p:grpSpPr>
-        <a:xfrm>
-          <a:off x="0" y="0"/>
-          <a:ext cx="0" cy="0"/>
-          <a:chOff x="0" y="0"/>
-          <a:chExt cx="0" cy="0"/>
-        </a:xfrm>
-      </p:grpSpPr>
-      <p:sp>
-        <p:nvSpPr>
-          <p:cNvPr id="2" name="Title 1"/>
-          <p:cNvSpPr>
-            <a:spLocks noGrp="1"/>
-          </p:cNvSpPr>
-          <p:nvPr>
-            <p:ph type="title"/>
-          </p:nvPr>
-        </p:nvSpPr>
-        <p:spPr/>
-        <p:txBody>
-          <a:bodyPr/>
-          <a:lstStyle/>
-          <a:p>
-            <a:r>
-              <a:rPr lang="en-US" dirty="0" smtClean="0"/>
-              <a:t>Why</a:t>
-            </a:r>
-            <a:endParaRPr lang="en-US" dirty="0"/>
-          </a:p>
-        </p:txBody>
-      </p:sp>
-      <p:sp>
-        <p:nvSpPr>
-          <p:cNvPr id="3" name="Content Placeholder 2"/>
-          <p:cNvSpPr>
-            <a:spLocks noGrp="1"/>
-          </p:cNvSpPr>
-          <p:nvPr>
-            <p:ph idx="1"/>
-          </p:nvPr>
-        </p:nvSpPr>
-        <p:spPr/>
-        <p:txBody>
-          <a:bodyPr/>
-          <a:lstStyle/>
-          <a:p>
-            <a:r>
-              <a:rPr lang="en-US" dirty="0" smtClean="0"/>
-              <a:t>Internal Development</a:t>
-            </a:r>
-          </a:p>
-          <a:p>
-            <a:r>
-              <a:rPr lang="en-US" dirty="0" smtClean="0"/>
-              <a:t>Community Development</a:t>
-            </a:r>
-          </a:p>
-          <a:p>
-            <a:r>
-              <a:rPr lang="en-US" dirty="0" smtClean="0"/>
-              <a:t>Innovation</a:t>
-            </a:r>
-          </a:p>
-          <a:p>
-            <a:endParaRPr lang="en-US" dirty="0"/>
-          </a:p>
-        </p:txBody>
-      </p:sp>
-    </p:spTree>
-    <p:extLst>
-      <p:ext uri="{BB962C8B-B14F-4D97-AF65-F5344CB8AC3E}">
-        <p14:creationId xmlns:p14="http://schemas.microsoft.com/office/powerpoint/2010/main" val="354330939"/>
       </p:ext>
     </p:extLst>
   </p:cSld>
